--- a/BCI - Day10 - Node-Express 1.pptx
+++ b/BCI - Day10 - Node-Express 1.pptx
@@ -30,8 +30,11 @@
     <p:sldId id="1888" r:id="rId23"/>
     <p:sldId id="1871" r:id="rId24"/>
     <p:sldId id="1903" r:id="rId25"/>
-    <p:sldId id="1870" r:id="rId26"/>
-    <p:sldId id="1876" r:id="rId27"/>
+    <p:sldId id="1904" r:id="rId26"/>
+    <p:sldId id="1906" r:id="rId27"/>
+    <p:sldId id="1905" r:id="rId28"/>
+    <p:sldId id="1870" r:id="rId29"/>
+    <p:sldId id="1876" r:id="rId30"/>
   </p:sldIdLst>
   <p:sldSz cx="9144000" cy="6858000" type="screen4x3"/>
   <p:notesSz cx="7315200" cy="9601200"/>
@@ -9695,14 +9698,14 @@
               <a:buChar char="•"/>
             </a:pPr>
             <a:r>
-              <a:rPr lang="en-US" b="1" dirty="0">
+              <a:rPr lang="en-US" dirty="0">
                 <a:latin typeface="Calibri" panose="020F0502020204030204" pitchFamily="34" charset="0"/>
                 <a:cs typeface="Calibri" panose="020F0502020204030204" pitchFamily="34" charset="0"/>
                 <a:sym typeface="+mn-ea"/>
               </a:rPr>
               <a:t>What are Node and Express js</a:t>
             </a:r>
-            <a:endParaRPr lang="en-US" b="1" dirty="0">
+            <a:endParaRPr lang="en-US" dirty="0">
               <a:latin typeface="Calibri" panose="020F0502020204030204" pitchFamily="34" charset="0"/>
               <a:cs typeface="Calibri" panose="020F0502020204030204" pitchFamily="34" charset="0"/>
               <a:sym typeface="+mn-ea"/>
@@ -9737,22 +9740,14 @@
               <a:buChar char="•"/>
             </a:pPr>
             <a:r>
-              <a:rPr lang="en-US" b="1" dirty="0">
+              <a:rPr lang="en-US" dirty="0">
                 <a:latin typeface="Calibri" panose="020F0502020204030204" pitchFamily="34" charset="0"/>
                 <a:cs typeface="Calibri" panose="020F0502020204030204" pitchFamily="34" charset="0"/>
                 <a:sym typeface="+mn-ea"/>
               </a:rPr>
-              <a:t>MVC </a:t>
-            </a:r>
-            <a:r>
-              <a:rPr lang="en-US" b="1" dirty="0">
-                <a:latin typeface="Calibri" panose="020F0502020204030204" pitchFamily="34" charset="0"/>
-                <a:cs typeface="Calibri" panose="020F0502020204030204" pitchFamily="34" charset="0"/>
-                <a:sym typeface="+mn-ea"/>
-              </a:rPr>
-              <a:t>Code Demo Requirements: Registration</a:t>
-            </a:r>
-            <a:endParaRPr lang="en-US" b="1" dirty="0">
+              <a:t>MVC Code Demo Requirements: Registration</a:t>
+            </a:r>
+            <a:endParaRPr lang="en-US" dirty="0">
               <a:latin typeface="Calibri" panose="020F0502020204030204" pitchFamily="34" charset="0"/>
               <a:cs typeface="Calibri" panose="020F0502020204030204" pitchFamily="34" charset="0"/>
               <a:sym typeface="+mn-ea"/>
@@ -9770,14 +9765,14 @@
               <a:buChar char="•"/>
             </a:pPr>
             <a:r>
-              <a:rPr lang="en-US" altLang="zh-CN" b="1" dirty="0">
+              <a:rPr lang="en-US" altLang="zh-CN" dirty="0">
                 <a:latin typeface="Calibri" panose="020F0502020204030204" pitchFamily="34" charset="0"/>
                 <a:cs typeface="Calibri" panose="020F0502020204030204" pitchFamily="34" charset="0"/>
                 <a:sym typeface="+mn-ea"/>
               </a:rPr>
               <a:t>SQL</a:t>
             </a:r>
-            <a:endParaRPr lang="en-US" altLang="zh-CN" b="1" dirty="0">
+            <a:endParaRPr lang="en-US" altLang="zh-CN" dirty="0">
               <a:latin typeface="Calibri" panose="020F0502020204030204" pitchFamily="34" charset="0"/>
               <a:cs typeface="Calibri" panose="020F0502020204030204" pitchFamily="34" charset="0"/>
               <a:sym typeface="+mn-ea"/>
@@ -9795,14 +9790,14 @@
               <a:buChar char="•"/>
             </a:pPr>
             <a:r>
-              <a:rPr lang="en-US" b="1" dirty="0">
+              <a:rPr lang="en-US" dirty="0">
                 <a:latin typeface="Calibri" panose="020F0502020204030204" pitchFamily="34" charset="0"/>
                 <a:cs typeface="Calibri" panose="020F0502020204030204" pitchFamily="34" charset="0"/>
                 <a:sym typeface="+mn-ea"/>
               </a:rPr>
               <a:t>Problem Without Model</a:t>
             </a:r>
-            <a:endParaRPr lang="en-US" b="1" dirty="0">
+            <a:endParaRPr lang="en-US" dirty="0">
               <a:latin typeface="Calibri" panose="020F0502020204030204" pitchFamily="34" charset="0"/>
               <a:cs typeface="Calibri" panose="020F0502020204030204" pitchFamily="34" charset="0"/>
               <a:sym typeface="+mn-ea"/>
@@ -9820,14 +9815,64 @@
               <a:buChar char="•"/>
             </a:pPr>
             <a:r>
-              <a:rPr lang="en-US" altLang="zh-CN" b="1" dirty="0">
+              <a:rPr lang="en-US" altLang="zh-CN" dirty="0">
                 <a:latin typeface="Calibri" panose="020F0502020204030204" pitchFamily="34" charset="0"/>
                 <a:cs typeface="Calibri" panose="020F0502020204030204" pitchFamily="34" charset="0"/>
                 <a:sym typeface="+mn-ea"/>
               </a:rPr>
               <a:t>Sequelize</a:t>
             </a:r>
-            <a:endParaRPr lang="en-US" altLang="zh-CN" b="1" dirty="0">
+            <a:endParaRPr lang="en-US" altLang="zh-CN" dirty="0">
+              <a:latin typeface="Calibri" panose="020F0502020204030204" pitchFamily="34" charset="0"/>
+              <a:cs typeface="Calibri" panose="020F0502020204030204" pitchFamily="34" charset="0"/>
+              <a:sym typeface="+mn-ea"/>
+            </a:endParaRPr>
+          </a:p>
+          <a:p>
+            <a:pPr marL="171450" lvl="0" indent="-171450" fontAlgn="auto">
+              <a:lnSpc>
+                <a:spcPct val="200000"/>
+              </a:lnSpc>
+              <a:spcBef>
+                <a:spcPts val="700"/>
+              </a:spcBef>
+              <a:buFont typeface="Arial" panose="020B0604020202020204" pitchFamily="34" charset="0"/>
+              <a:buChar char="•"/>
+            </a:pPr>
+            <a:r>
+              <a:rPr lang="en-US" altLang="zh-CN" dirty="0">
+                <a:latin typeface="Calibri" panose="020F0502020204030204" pitchFamily="34" charset="0"/>
+                <a:cs typeface="Calibri" panose="020F0502020204030204" pitchFamily="34" charset="0"/>
+                <a:sym typeface="+mn-ea"/>
+              </a:rPr>
+              <a:t>JWT</a:t>
+            </a:r>
+            <a:endParaRPr lang="en-US" altLang="zh-CN" dirty="0">
+              <a:latin typeface="Calibri" panose="020F0502020204030204" pitchFamily="34" charset="0"/>
+              <a:cs typeface="Calibri" panose="020F0502020204030204" pitchFamily="34" charset="0"/>
+              <a:sym typeface="+mn-ea"/>
+            </a:endParaRPr>
+          </a:p>
+          <a:p>
+            <a:pPr marL="171450" lvl="0" indent="-171450" fontAlgn="auto">
+              <a:lnSpc>
+                <a:spcPct val="200000"/>
+              </a:lnSpc>
+              <a:spcBef>
+                <a:spcPts val="700"/>
+              </a:spcBef>
+              <a:buFont typeface="Arial" panose="020B0604020202020204" pitchFamily="34" charset="0"/>
+              <a:buChar char="•"/>
+            </a:pPr>
+            <a:r>
+              <a:rPr lang="en-US" altLang="zh-CN" dirty="0">
+                <a:latin typeface="Calibri" panose="020F0502020204030204" pitchFamily="34" charset="0"/>
+                <a:cs typeface="Calibri" panose="020F0502020204030204" pitchFamily="34" charset="0"/>
+                <a:sym typeface="+mn-ea"/>
+              </a:rPr>
+              <a:t>Form, File upload, Pass params</a:t>
+            </a:r>
+            <a:endParaRPr lang="en-US" altLang="zh-CN" dirty="0">
               <a:latin typeface="Calibri" panose="020F0502020204030204" pitchFamily="34" charset="0"/>
               <a:cs typeface="Calibri" panose="020F0502020204030204" pitchFamily="34" charset="0"/>
             </a:endParaRPr>
@@ -10611,6 +10656,721 @@
           <a:p>
             <a:pPr algn="ctr"/>
             <a:r>
+              <a:rPr lang="en-US" sz="3200" b="1" dirty="0">
+                <a:latin typeface="Calibri" panose="020F0502020204030204" pitchFamily="34" charset="0"/>
+                <a:cs typeface="Calibri" panose="020F0502020204030204" pitchFamily="34" charset="0"/>
+                <a:sym typeface="+mn-ea"/>
+              </a:rPr>
+              <a:t>MVC </a:t>
+            </a:r>
+            <a:r>
+              <a:rPr lang="en-US" sz="3200" b="1" dirty="0">
+                <a:latin typeface="Calibri" panose="020F0502020204030204" pitchFamily="34" charset="0"/>
+                <a:cs typeface="Calibri" panose="020F0502020204030204" pitchFamily="34" charset="0"/>
+              </a:rPr>
+              <a:t>Code Demo Requirements: Registration</a:t>
+            </a:r>
+            <a:endParaRPr lang="zh-CN" altLang="en-US" sz="3200" b="1" dirty="0">
+              <a:latin typeface="Calibri" panose="020F0502020204030204" pitchFamily="34" charset="0"/>
+              <a:cs typeface="Calibri" panose="020F0502020204030204" pitchFamily="34" charset="0"/>
+            </a:endParaRPr>
+          </a:p>
+        </p:txBody>
+      </p:sp>
+      <p:sp>
+        <p:nvSpPr>
+          <p:cNvPr id="3" name="Content Placeholder 2"/>
+          <p:cNvSpPr>
+            <a:spLocks noGrp="1"/>
+          </p:cNvSpPr>
+          <p:nvPr>
+            <p:ph idx="1"/>
+          </p:nvPr>
+        </p:nvSpPr>
+        <p:spPr>
+          <a:xfrm>
+            <a:off x="628650" y="989044"/>
+            <a:ext cx="7886700" cy="5605719"/>
+          </a:xfrm>
+        </p:spPr>
+        <p:txBody>
+          <a:bodyPr>
+            <a:normAutofit/>
+          </a:bodyPr>
+          <a:lstStyle/>
+          <a:p>
+            <a:pPr defTabSz="342900">
+              <a:lnSpc>
+                <a:spcPct val="120000"/>
+              </a:lnSpc>
+            </a:pPr>
+            <a:r>
+              <a:rPr lang="en-US" altLang="en-US" sz="1780" dirty="0">
+                <a:solidFill>
+                  <a:srgbClr val="262626"/>
+                </a:solidFill>
+              </a:rPr>
+              <a:t>Requirements:</a:t>
+            </a:r>
+            <a:endParaRPr lang="en-US" altLang="en-US" sz="1780" dirty="0">
+              <a:solidFill>
+                <a:srgbClr val="262626"/>
+              </a:solidFill>
+            </a:endParaRPr>
+          </a:p>
+          <a:p>
+            <a:pPr defTabSz="342900">
+              <a:lnSpc>
+                <a:spcPct val="120000"/>
+              </a:lnSpc>
+            </a:pPr>
+            <a:r>
+              <a:rPr lang="en-US" altLang="en-US" sz="1780" dirty="0">
+                <a:solidFill>
+                  <a:srgbClr val="262626"/>
+                </a:solidFill>
+              </a:rPr>
+              <a:t>1. Design database models: Using SQLite3</a:t>
+            </a:r>
+            <a:endParaRPr lang="en-US" altLang="en-US" sz="1780" dirty="0">
+              <a:solidFill>
+                <a:srgbClr val="262626"/>
+              </a:solidFill>
+            </a:endParaRPr>
+          </a:p>
+          <a:p>
+            <a:pPr defTabSz="342900">
+              <a:lnSpc>
+                <a:spcPct val="120000"/>
+              </a:lnSpc>
+            </a:pPr>
+            <a:r>
+              <a:rPr lang="en-US" altLang="en-US" sz="1780" dirty="0">
+                <a:solidFill>
+                  <a:srgbClr val="262626"/>
+                </a:solidFill>
+              </a:rPr>
+              <a:t>2. Write Login, Logout, and Dashboard home page</a:t>
+            </a:r>
+            <a:endParaRPr lang="en-US" altLang="en-US" sz="1780" dirty="0">
+              <a:solidFill>
+                <a:srgbClr val="262626"/>
+              </a:solidFill>
+            </a:endParaRPr>
+          </a:p>
+          <a:p>
+            <a:pPr defTabSz="342900">
+              <a:lnSpc>
+                <a:spcPct val="120000"/>
+              </a:lnSpc>
+            </a:pPr>
+            <a:r>
+              <a:rPr lang="en-US" altLang="en-US" sz="1780" dirty="0">
+                <a:solidFill>
+                  <a:srgbClr val="262626"/>
+                </a:solidFill>
+              </a:rPr>
+              <a:t>3. Write controller to interact with database through Models and rendering views</a:t>
+            </a:r>
+            <a:endParaRPr lang="en-US" altLang="en-US" sz="1780" dirty="0">
+              <a:solidFill>
+                <a:srgbClr val="262626"/>
+              </a:solidFill>
+            </a:endParaRPr>
+          </a:p>
+          <a:p>
+            <a:pPr defTabSz="342900">
+              <a:lnSpc>
+                <a:spcPct val="120000"/>
+              </a:lnSpc>
+            </a:pPr>
+            <a:endParaRPr lang="en-US" altLang="en-US" sz="1780" dirty="0">
+              <a:solidFill>
+                <a:srgbClr val="262626"/>
+              </a:solidFill>
+            </a:endParaRPr>
+          </a:p>
+          <a:p>
+            <a:pPr defTabSz="342900">
+              <a:lnSpc>
+                <a:spcPct val="120000"/>
+              </a:lnSpc>
+            </a:pPr>
+            <a:r>
+              <a:rPr lang="en-US" altLang="en-US" sz="1780" dirty="0">
+                <a:solidFill>
+                  <a:srgbClr val="FF0000"/>
+                </a:solidFill>
+              </a:rPr>
+              <a:t>Code Demo Now</a:t>
+            </a:r>
+            <a:endParaRPr lang="en-US" altLang="en-US" sz="1780" dirty="0">
+              <a:solidFill>
+                <a:srgbClr val="FF0000"/>
+              </a:solidFill>
+            </a:endParaRPr>
+          </a:p>
+          <a:p>
+            <a:pPr defTabSz="342900">
+              <a:lnSpc>
+                <a:spcPct val="120000"/>
+              </a:lnSpc>
+            </a:pPr>
+            <a:r>
+              <a:rPr lang="en-US" altLang="en-US" sz="1780" dirty="0">
+                <a:solidFill>
+                  <a:srgbClr val="262626"/>
+                </a:solidFill>
+              </a:rPr>
+              <a:t>How to write a program from scratch</a:t>
+            </a:r>
+            <a:endParaRPr lang="en-US" altLang="en-US" sz="1780" dirty="0">
+              <a:solidFill>
+                <a:srgbClr val="262626"/>
+              </a:solidFill>
+            </a:endParaRPr>
+          </a:p>
+          <a:p>
+            <a:pPr defTabSz="342900">
+              <a:lnSpc>
+                <a:spcPct val="120000"/>
+              </a:lnSpc>
+            </a:pPr>
+            <a:endParaRPr lang="en-US" altLang="en-US" sz="1780" dirty="0">
+              <a:solidFill>
+                <a:srgbClr val="262626"/>
+              </a:solidFill>
+            </a:endParaRPr>
+          </a:p>
+          <a:p>
+            <a:pPr defTabSz="342900">
+              <a:lnSpc>
+                <a:spcPct val="120000"/>
+              </a:lnSpc>
+            </a:pPr>
+            <a:endParaRPr lang="en-US" altLang="en-US" sz="1780" dirty="0">
+              <a:solidFill>
+                <a:srgbClr val="262626"/>
+              </a:solidFill>
+            </a:endParaRPr>
+          </a:p>
+        </p:txBody>
+      </p:sp>
+    </p:spTree>
+  </p:cSld>
+  <p:clrMapOvr>
+    <a:masterClrMapping/>
+  </p:clrMapOvr>
+</p:sld>
+</file>
+
+<file path=ppt/slides/slide24.xml><?xml version="1.0" encoding="utf-8"?>
+<p:sld xmlns:a="http://schemas.openxmlformats.org/drawingml/2006/main" xmlns:r="http://schemas.openxmlformats.org/officeDocument/2006/relationships" xmlns:p="http://schemas.openxmlformats.org/presentationml/2006/main">
+  <p:cSld>
+    <p:spTree>
+      <p:nvGrpSpPr>
+        <p:cNvPr id="1" name=""/>
+        <p:cNvGrpSpPr/>
+        <p:nvPr/>
+      </p:nvGrpSpPr>
+      <p:grpSpPr>
+        <a:xfrm>
+          <a:off x="0" y="0"/>
+          <a:ext cx="0" cy="0"/>
+          <a:chOff x="0" y="0"/>
+          <a:chExt cx="0" cy="0"/>
+        </a:xfrm>
+      </p:grpSpPr>
+      <p:sp>
+        <p:nvSpPr>
+          <p:cNvPr id="2" name="Title 1"/>
+          <p:cNvSpPr>
+            <a:spLocks noGrp="1"/>
+          </p:cNvSpPr>
+          <p:nvPr>
+            <p:ph type="title"/>
+          </p:nvPr>
+        </p:nvSpPr>
+        <p:spPr>
+          <a:xfrm>
+            <a:off x="628650" y="155263"/>
+            <a:ext cx="7886700" cy="526790"/>
+          </a:xfrm>
+        </p:spPr>
+        <p:txBody>
+          <a:bodyPr>
+            <a:normAutofit fontScale="90000"/>
+          </a:bodyPr>
+          <a:lstStyle/>
+          <a:p>
+            <a:pPr algn="ctr"/>
+            <a:r>
+              <a:rPr lang="en-US" sz="3200" b="1" dirty="0">
+                <a:latin typeface="Calibri" panose="020F0502020204030204" pitchFamily="34" charset="0"/>
+                <a:cs typeface="Calibri" panose="020F0502020204030204" pitchFamily="34" charset="0"/>
+                <a:sym typeface="+mn-ea"/>
+              </a:rPr>
+              <a:t>MVC Model</a:t>
+            </a:r>
+            <a:endParaRPr lang="en-US" sz="3200" b="1" dirty="0">
+              <a:latin typeface="Calibri" panose="020F0502020204030204" pitchFamily="34" charset="0"/>
+              <a:cs typeface="Calibri" panose="020F0502020204030204" pitchFamily="34" charset="0"/>
+            </a:endParaRPr>
+          </a:p>
+        </p:txBody>
+      </p:sp>
+      <p:sp>
+        <p:nvSpPr>
+          <p:cNvPr id="3" name="Content Placeholder 2"/>
+          <p:cNvSpPr>
+            <a:spLocks noGrp="1"/>
+          </p:cNvSpPr>
+          <p:nvPr>
+            <p:ph idx="1"/>
+          </p:nvPr>
+        </p:nvSpPr>
+        <p:spPr>
+          <a:xfrm>
+            <a:off x="628650" y="989044"/>
+            <a:ext cx="7886700" cy="5605719"/>
+          </a:xfrm>
+        </p:spPr>
+        <p:txBody>
+          <a:bodyPr>
+            <a:normAutofit/>
+          </a:bodyPr>
+          <a:lstStyle/>
+          <a:p>
+            <a:pPr defTabSz="342900">
+              <a:lnSpc>
+                <a:spcPct val="120000"/>
+              </a:lnSpc>
+            </a:pPr>
+            <a:r>
+              <a:rPr lang="en-US" altLang="en-US" sz="1780" dirty="0">
+                <a:solidFill>
+                  <a:srgbClr val="262626"/>
+                </a:solidFill>
+              </a:rPr>
+              <a:t>Model</a:t>
+            </a:r>
+            <a:endParaRPr lang="en-US" altLang="en-US" sz="1780" dirty="0">
+              <a:solidFill>
+                <a:srgbClr val="262626"/>
+              </a:solidFill>
+            </a:endParaRPr>
+          </a:p>
+          <a:p>
+            <a:pPr defTabSz="342900">
+              <a:lnSpc>
+                <a:spcPct val="120000"/>
+              </a:lnSpc>
+            </a:pPr>
+            <a:r>
+              <a:rPr lang="en-US" altLang="en-US" sz="1780" dirty="0">
+                <a:solidFill>
+                  <a:srgbClr val="262626"/>
+                </a:solidFill>
+              </a:rPr>
+              <a:t>    The central component of the pattern. It is the application's dynamic data structure, independent of the user interface.[5] It directly manages the data, logic and rules of the application.</a:t>
+            </a:r>
+            <a:endParaRPr lang="en-US" altLang="en-US" sz="1780" dirty="0">
+              <a:solidFill>
+                <a:srgbClr val="262626"/>
+              </a:solidFill>
+            </a:endParaRPr>
+          </a:p>
+          <a:p>
+            <a:pPr defTabSz="342900">
+              <a:lnSpc>
+                <a:spcPct val="120000"/>
+              </a:lnSpc>
+            </a:pPr>
+            <a:endParaRPr lang="en-US" altLang="en-US" sz="1780" dirty="0">
+              <a:solidFill>
+                <a:srgbClr val="262626"/>
+              </a:solidFill>
+            </a:endParaRPr>
+          </a:p>
+          <a:p>
+            <a:pPr defTabSz="342900">
+              <a:lnSpc>
+                <a:spcPct val="120000"/>
+              </a:lnSpc>
+            </a:pPr>
+            <a:r>
+              <a:rPr lang="en-US" altLang="en-US" sz="1780" dirty="0">
+                <a:solidFill>
+                  <a:srgbClr val="262626"/>
+                </a:solidFill>
+              </a:rPr>
+              <a:t>View</a:t>
+            </a:r>
+            <a:endParaRPr lang="en-US" altLang="en-US" sz="1780" dirty="0">
+              <a:solidFill>
+                <a:srgbClr val="262626"/>
+              </a:solidFill>
+            </a:endParaRPr>
+          </a:p>
+          <a:p>
+            <a:pPr defTabSz="342900">
+              <a:lnSpc>
+                <a:spcPct val="120000"/>
+              </a:lnSpc>
+            </a:pPr>
+            <a:r>
+              <a:rPr lang="en-US" altLang="en-US" sz="1780" dirty="0">
+                <a:solidFill>
+                  <a:srgbClr val="262626"/>
+                </a:solidFill>
+              </a:rPr>
+              <a:t>    Any representation of information such as a chart, diagram or table. Multiple views of the same information are possible, such as a bar chart for management and a tabular view for accountants.</a:t>
+            </a:r>
+            <a:endParaRPr lang="en-US" altLang="en-US" sz="1780" dirty="0">
+              <a:solidFill>
+                <a:srgbClr val="262626"/>
+              </a:solidFill>
+            </a:endParaRPr>
+          </a:p>
+          <a:p>
+            <a:pPr defTabSz="342900">
+              <a:lnSpc>
+                <a:spcPct val="120000"/>
+              </a:lnSpc>
+            </a:pPr>
+            <a:endParaRPr lang="en-US" altLang="en-US" sz="1780" dirty="0">
+              <a:solidFill>
+                <a:srgbClr val="262626"/>
+              </a:solidFill>
+            </a:endParaRPr>
+          </a:p>
+          <a:p>
+            <a:pPr defTabSz="342900">
+              <a:lnSpc>
+                <a:spcPct val="120000"/>
+              </a:lnSpc>
+            </a:pPr>
+            <a:r>
+              <a:rPr lang="en-US" altLang="en-US" sz="1780" dirty="0">
+                <a:solidFill>
+                  <a:srgbClr val="262626"/>
+                </a:solidFill>
+              </a:rPr>
+              <a:t>Controller</a:t>
+            </a:r>
+            <a:endParaRPr lang="en-US" altLang="en-US" sz="1780" dirty="0">
+              <a:solidFill>
+                <a:srgbClr val="262626"/>
+              </a:solidFill>
+            </a:endParaRPr>
+          </a:p>
+          <a:p>
+            <a:pPr defTabSz="342900">
+              <a:lnSpc>
+                <a:spcPct val="120000"/>
+              </a:lnSpc>
+            </a:pPr>
+            <a:r>
+              <a:rPr lang="en-US" altLang="en-US" sz="1780" dirty="0">
+                <a:solidFill>
+                  <a:srgbClr val="262626"/>
+                </a:solidFill>
+              </a:rPr>
+              <a:t>    Accepts input and converts it to commands for the model or view</a:t>
+            </a:r>
+            <a:endParaRPr lang="en-US" altLang="en-US" sz="1780" dirty="0">
+              <a:solidFill>
+                <a:srgbClr val="262626"/>
+              </a:solidFill>
+            </a:endParaRPr>
+          </a:p>
+        </p:txBody>
+      </p:sp>
+    </p:spTree>
+  </p:cSld>
+  <p:clrMapOvr>
+    <a:masterClrMapping/>
+  </p:clrMapOvr>
+</p:sld>
+</file>
+
+<file path=ppt/slides/slide25.xml><?xml version="1.0" encoding="utf-8"?>
+<p:sld xmlns:a="http://schemas.openxmlformats.org/drawingml/2006/main" xmlns:r="http://schemas.openxmlformats.org/officeDocument/2006/relationships" xmlns:p="http://schemas.openxmlformats.org/presentationml/2006/main">
+  <p:cSld>
+    <p:spTree>
+      <p:nvGrpSpPr>
+        <p:cNvPr id="1" name=""/>
+        <p:cNvGrpSpPr/>
+        <p:nvPr/>
+      </p:nvGrpSpPr>
+      <p:grpSpPr>
+        <a:xfrm>
+          <a:off x="0" y="0"/>
+          <a:ext cx="0" cy="0"/>
+          <a:chOff x="0" y="0"/>
+          <a:chExt cx="0" cy="0"/>
+        </a:xfrm>
+      </p:grpSpPr>
+      <p:sp>
+        <p:nvSpPr>
+          <p:cNvPr id="2" name="Title 1"/>
+          <p:cNvSpPr>
+            <a:spLocks noGrp="1"/>
+          </p:cNvSpPr>
+          <p:nvPr>
+            <p:ph type="title"/>
+          </p:nvPr>
+        </p:nvSpPr>
+        <p:spPr>
+          <a:xfrm>
+            <a:off x="628650" y="155263"/>
+            <a:ext cx="7886700" cy="526790"/>
+          </a:xfrm>
+        </p:spPr>
+        <p:txBody>
+          <a:bodyPr>
+            <a:normAutofit fontScale="90000"/>
+          </a:bodyPr>
+          <a:lstStyle/>
+          <a:p>
+            <a:pPr algn="ctr"/>
+            <a:r>
+              <a:rPr lang="en-US" altLang="zh-CN" sz="3200" b="1" dirty="0">
+                <a:latin typeface="Calibri" panose="020F0502020204030204" pitchFamily="34" charset="0"/>
+                <a:cs typeface="Calibri" panose="020F0502020204030204" pitchFamily="34" charset="0"/>
+              </a:rPr>
+              <a:t>Send Parameters to the View</a:t>
+            </a:r>
+            <a:endParaRPr lang="zh-CN" altLang="en-US" sz="3200" b="1" dirty="0">
+              <a:latin typeface="Calibri" panose="020F0502020204030204" pitchFamily="34" charset="0"/>
+              <a:cs typeface="Calibri" panose="020F0502020204030204" pitchFamily="34" charset="0"/>
+            </a:endParaRPr>
+          </a:p>
+        </p:txBody>
+      </p:sp>
+      <p:sp>
+        <p:nvSpPr>
+          <p:cNvPr id="3" name="Content Placeholder 2"/>
+          <p:cNvSpPr>
+            <a:spLocks noGrp="1"/>
+          </p:cNvSpPr>
+          <p:nvPr>
+            <p:ph idx="1"/>
+          </p:nvPr>
+        </p:nvSpPr>
+        <p:spPr>
+          <a:xfrm>
+            <a:off x="628650" y="989044"/>
+            <a:ext cx="7886700" cy="5605719"/>
+          </a:xfrm>
+        </p:spPr>
+        <p:txBody>
+          <a:bodyPr>
+            <a:normAutofit/>
+          </a:bodyPr>
+          <a:lstStyle/>
+          <a:p>
+            <a:pPr defTabSz="342900">
+              <a:lnSpc>
+                <a:spcPct val="120000"/>
+              </a:lnSpc>
+            </a:pPr>
+            <a:r>
+              <a:rPr lang="en-US" altLang="en-US" sz="1780" dirty="0">
+                <a:solidFill>
+                  <a:srgbClr val="FF0000"/>
+                </a:solidFill>
+              </a:rPr>
+              <a:t>Code Demo</a:t>
+            </a:r>
+            <a:endParaRPr lang="en-US" altLang="en-US" sz="1780" dirty="0">
+              <a:solidFill>
+                <a:srgbClr val="FF0000"/>
+              </a:solidFill>
+            </a:endParaRPr>
+          </a:p>
+          <a:p>
+            <a:pPr defTabSz="342900">
+              <a:lnSpc>
+                <a:spcPct val="120000"/>
+              </a:lnSpc>
+            </a:pPr>
+            <a:endParaRPr lang="en-US" altLang="en-US" sz="1780" dirty="0">
+              <a:solidFill>
+                <a:srgbClr val="FF0000"/>
+              </a:solidFill>
+            </a:endParaRPr>
+          </a:p>
+          <a:p>
+            <a:pPr defTabSz="342900">
+              <a:lnSpc>
+                <a:spcPct val="120000"/>
+              </a:lnSpc>
+            </a:pPr>
+            <a:endParaRPr lang="en-US" altLang="en-US" sz="1780" dirty="0">
+              <a:solidFill>
+                <a:srgbClr val="FF0000"/>
+              </a:solidFill>
+            </a:endParaRPr>
+          </a:p>
+          <a:p>
+            <a:pPr defTabSz="342900">
+              <a:lnSpc>
+                <a:spcPct val="120000"/>
+              </a:lnSpc>
+            </a:pPr>
+            <a:endParaRPr lang="en-US" altLang="en-US" sz="1780" dirty="0">
+              <a:solidFill>
+                <a:srgbClr val="FF0000"/>
+              </a:solidFill>
+            </a:endParaRPr>
+          </a:p>
+          <a:p>
+            <a:pPr defTabSz="342900">
+              <a:lnSpc>
+                <a:spcPct val="120000"/>
+              </a:lnSpc>
+            </a:pPr>
+            <a:endParaRPr lang="en-US" altLang="en-US" sz="1780" dirty="0">
+              <a:solidFill>
+                <a:srgbClr val="FF0000"/>
+              </a:solidFill>
+            </a:endParaRPr>
+          </a:p>
+          <a:p>
+            <a:pPr defTabSz="342900">
+              <a:lnSpc>
+                <a:spcPct val="120000"/>
+              </a:lnSpc>
+            </a:pPr>
+            <a:endParaRPr lang="en-US" altLang="en-US" sz="1775" dirty="0">
+              <a:solidFill>
+                <a:srgbClr val="262626"/>
+              </a:solidFill>
+              <a:sym typeface="+mn-ea"/>
+            </a:endParaRPr>
+          </a:p>
+          <a:p>
+            <a:pPr defTabSz="342900">
+              <a:lnSpc>
+                <a:spcPct val="120000"/>
+              </a:lnSpc>
+            </a:pPr>
+            <a:endParaRPr lang="en-US" altLang="en-US" sz="1775" dirty="0">
+              <a:solidFill>
+                <a:srgbClr val="262626"/>
+              </a:solidFill>
+              <a:sym typeface="+mn-ea"/>
+            </a:endParaRPr>
+          </a:p>
+          <a:p>
+            <a:pPr defTabSz="342900">
+              <a:lnSpc>
+                <a:spcPct val="120000"/>
+              </a:lnSpc>
+            </a:pPr>
+            <a:r>
+              <a:rPr lang="en-US" altLang="en-US" sz="1775" dirty="0">
+                <a:solidFill>
+                  <a:srgbClr val="262626"/>
+                </a:solidFill>
+                <a:sym typeface="+mn-ea"/>
+              </a:rPr>
+              <a:t>Compare a normal program with a api program</a:t>
+            </a:r>
+            <a:endParaRPr lang="en-US" altLang="en-US" sz="1775" dirty="0">
+              <a:solidFill>
+                <a:srgbClr val="262626"/>
+              </a:solidFill>
+            </a:endParaRPr>
+          </a:p>
+          <a:p>
+            <a:pPr defTabSz="342900">
+              <a:lnSpc>
+                <a:spcPct val="120000"/>
+              </a:lnSpc>
+            </a:pPr>
+            <a:endParaRPr lang="en-US" altLang="en-US" sz="1780" dirty="0">
+              <a:solidFill>
+                <a:srgbClr val="FF0000"/>
+              </a:solidFill>
+            </a:endParaRPr>
+          </a:p>
+        </p:txBody>
+      </p:sp>
+      <p:pic>
+        <p:nvPicPr>
+          <p:cNvPr id="4" name="图片 3"/>
+          <p:cNvPicPr>
+            <a:picLocks noChangeAspect="1"/>
+          </p:cNvPicPr>
+          <p:nvPr/>
+        </p:nvPicPr>
+        <p:blipFill>
+          <a:blip r:embed="rId1"/>
+          <a:stretch>
+            <a:fillRect/>
+          </a:stretch>
+        </p:blipFill>
+        <p:spPr>
+          <a:xfrm>
+            <a:off x="1041400" y="1569720"/>
+            <a:ext cx="4238625" cy="1771650"/>
+          </a:xfrm>
+          <a:prstGeom prst="rect">
+            <a:avLst/>
+          </a:prstGeom>
+        </p:spPr>
+      </p:pic>
+    </p:spTree>
+  </p:cSld>
+  <p:clrMapOvr>
+    <a:masterClrMapping/>
+  </p:clrMapOvr>
+</p:sld>
+</file>
+
+<file path=ppt/slides/slide26.xml><?xml version="1.0" encoding="utf-8"?>
+<p:sld xmlns:a="http://schemas.openxmlformats.org/drawingml/2006/main" xmlns:r="http://schemas.openxmlformats.org/officeDocument/2006/relationships" xmlns:p="http://schemas.openxmlformats.org/presentationml/2006/main">
+  <p:cSld>
+    <p:spTree>
+      <p:nvGrpSpPr>
+        <p:cNvPr id="1" name=""/>
+        <p:cNvGrpSpPr/>
+        <p:nvPr/>
+      </p:nvGrpSpPr>
+      <p:grpSpPr>
+        <a:xfrm>
+          <a:off x="0" y="0"/>
+          <a:ext cx="0" cy="0"/>
+          <a:chOff x="0" y="0"/>
+          <a:chExt cx="0" cy="0"/>
+        </a:xfrm>
+      </p:grpSpPr>
+      <p:sp>
+        <p:nvSpPr>
+          <p:cNvPr id="2" name="Title 1"/>
+          <p:cNvSpPr>
+            <a:spLocks noGrp="1"/>
+          </p:cNvSpPr>
+          <p:nvPr>
+            <p:ph type="title"/>
+          </p:nvPr>
+        </p:nvSpPr>
+        <p:spPr>
+          <a:xfrm>
+            <a:off x="628650" y="155263"/>
+            <a:ext cx="7886700" cy="526790"/>
+          </a:xfrm>
+        </p:spPr>
+        <p:txBody>
+          <a:bodyPr>
+            <a:normAutofit fontScale="90000"/>
+          </a:bodyPr>
+          <a:lstStyle/>
+          <a:p>
+            <a:pPr algn="ctr"/>
+            <a:r>
               <a:rPr lang="en-US" altLang="zh-CN" sz="3200" b="1" dirty="0">
                 <a:latin typeface="Calibri" panose="020F0502020204030204" pitchFamily="34" charset="0"/>
                 <a:cs typeface="Calibri" panose="020F0502020204030204" pitchFamily="34" charset="0"/>
@@ -10831,7 +11591,7 @@
 </p:sld>
 </file>
 
-<file path=ppt/slides/slide24.xml><?xml version="1.0" encoding="utf-8"?>
+<file path=ppt/slides/slide27.xml><?xml version="1.0" encoding="utf-8"?>
 <p:sld xmlns:a="http://schemas.openxmlformats.org/drawingml/2006/main" xmlns:r="http://schemas.openxmlformats.org/officeDocument/2006/relationships" xmlns:p="http://schemas.openxmlformats.org/presentationml/2006/main">
   <p:cSld>
     <p:spTree>
@@ -10918,7 +11678,7 @@
                   <a:srgbClr val="262626"/>
                 </a:solidFill>
               </a:rPr>
-              <a:t>ff</a:t>
+              <a:t>https://www.geeksforgeeks.org/file-uploading-in-node-js/</a:t>
             </a:r>
             <a:endParaRPr lang="en-US" altLang="en-US" sz="1780" dirty="0">
               <a:solidFill>
